--- a/presentation_4.16.18/presentation_4.16.pptx
+++ b/presentation_4.16.18/presentation_4.16.pptx
@@ -5212,11 +5212,7 @@
           <a:p>
             <a:r>
               <a:rPr lang="en-US" sz="4400" dirty="0" smtClean="0"/>
-              <a:t>Sampling-Based Gaussian Estimation of </a:t>
-            </a:r>
-            <a:r>
-              <a:rPr lang="en-US" sz="4400" dirty="0" smtClean="0"/>
-              <a:t>Probability </a:t>
+              <a:t>Sampling-Based Gaussian Estimation of Probability </a:t>
             </a:r>
             <a:r>
               <a:rPr lang="en-US" sz="4400" dirty="0"/>
@@ -7110,8 +7106,8 @@
           </p:sp>
         </mc:Fallback>
       </mc:AlternateContent>
-      <mc:AlternateContent xmlns:mc="http://schemas.openxmlformats.org/markup-compatibility/2006">
-        <mc:Choice xmlns:a14="http://schemas.microsoft.com/office/drawing/2010/main" Requires="a14">
+      <mc:AlternateContent xmlns:mc="http://schemas.openxmlformats.org/markup-compatibility/2006" xmlns:a14="http://schemas.microsoft.com/office/drawing/2010/main">
+        <mc:Choice Requires="a14">
           <p:sp>
             <p:nvSpPr>
               <p:cNvPr id="5" name="TextBox 4"/>
@@ -7315,7 +7311,7 @@
             </p:txBody>
           </p:sp>
         </mc:Choice>
-        <mc:Fallback>
+        <mc:Fallback xmlns="">
           <p:sp>
             <p:nvSpPr>
               <p:cNvPr id="5" name="TextBox 4"/>
@@ -8185,18 +8181,14 @@
           <a:p>
             <a:r>
               <a:rPr lang="en-US" dirty="0" smtClean="0"/>
-              <a:t>Approach: </a:t>
-            </a:r>
-            <a:r>
-              <a:rPr lang="en-US" dirty="0" smtClean="0"/>
-              <a:t>Gaussian Mixture Model Estimate</a:t>
+              <a:t>Approach: Gaussian Mixture Model Estimate</a:t>
             </a:r>
             <a:endParaRPr lang="en-US" dirty="0"/>
           </a:p>
         </p:txBody>
       </p:sp>
-      <mc:AlternateContent xmlns:mc="http://schemas.openxmlformats.org/markup-compatibility/2006">
-        <mc:Choice xmlns:a14="http://schemas.microsoft.com/office/drawing/2010/main" Requires="a14">
+      <mc:AlternateContent xmlns:mc="http://schemas.openxmlformats.org/markup-compatibility/2006" xmlns:a14="http://schemas.microsoft.com/office/drawing/2010/main">
+        <mc:Choice Requires="a14">
           <p:sp>
             <p:nvSpPr>
               <p:cNvPr id="3" name="Content Placeholder 2"/>
@@ -8706,7 +8698,7 @@
             </p:txBody>
           </p:sp>
         </mc:Choice>
-        <mc:Fallback>
+        <mc:Fallback xmlns="">
           <p:sp>
             <p:nvSpPr>
               <p:cNvPr id="3" name="Content Placeholder 2"/>
@@ -8828,18 +8820,14 @@
           <a:p>
             <a:r>
               <a:rPr lang="en-US" dirty="0" smtClean="0"/>
-              <a:t>Approach: </a:t>
-            </a:r>
-            <a:r>
-              <a:rPr lang="en-US" dirty="0" smtClean="0"/>
-              <a:t>Gaussian Mixture Model Estimate</a:t>
+              <a:t>Approach: Gaussian Mixture Model Estimate</a:t>
             </a:r>
             <a:endParaRPr lang="en-US" dirty="0"/>
           </a:p>
         </p:txBody>
       </p:sp>
-      <mc:AlternateContent xmlns:mc="http://schemas.openxmlformats.org/markup-compatibility/2006">
-        <mc:Choice xmlns:a14="http://schemas.microsoft.com/office/drawing/2010/main" Requires="a14">
+      <mc:AlternateContent xmlns:mc="http://schemas.openxmlformats.org/markup-compatibility/2006" xmlns:a14="http://schemas.microsoft.com/office/drawing/2010/main">
+        <mc:Choice Requires="a14">
           <p:sp>
             <p:nvSpPr>
               <p:cNvPr id="3" name="Content Placeholder 2"/>
@@ -8909,7 +8897,7 @@
             </p:txBody>
           </p:sp>
         </mc:Choice>
-        <mc:Fallback>
+        <mc:Fallback xmlns="">
           <p:sp>
             <p:nvSpPr>
               <p:cNvPr id="3" name="Content Placeholder 2"/>
@@ -9119,11 +9107,7 @@
           <a:p>
             <a:r>
               <a:rPr lang="en-US" dirty="0" smtClean="0"/>
-              <a:t>Approach: </a:t>
-            </a:r>
-            <a:r>
-              <a:rPr lang="en-US" dirty="0" smtClean="0"/>
-              <a:t>Gaussian Mixture Model Estimate</a:t>
+              <a:t>Approach: Gaussian Mixture Model Estimate</a:t>
             </a:r>
             <a:endParaRPr lang="en-US" dirty="0"/>
           </a:p>
@@ -9508,8 +9492,8 @@
           </a:p>
         </p:txBody>
       </p:sp>
-      <mc:AlternateContent xmlns:mc="http://schemas.openxmlformats.org/markup-compatibility/2006">
-        <mc:Choice xmlns:a14="http://schemas.microsoft.com/office/drawing/2010/main" Requires="a14">
+      <mc:AlternateContent xmlns:mc="http://schemas.openxmlformats.org/markup-compatibility/2006" xmlns:a14="http://schemas.microsoft.com/office/drawing/2010/main">
+        <mc:Choice Requires="a14">
           <p:sp>
             <p:nvSpPr>
               <p:cNvPr id="3" name="Content Placeholder 2"/>
@@ -9612,7 +9596,7 @@
             </p:txBody>
           </p:sp>
         </mc:Choice>
-        <mc:Fallback>
+        <mc:Fallback xmlns="">
           <p:sp>
             <p:nvSpPr>
               <p:cNvPr id="3" name="Content Placeholder 2"/>
@@ -18872,13 +18856,6 @@
               </a:rPr>
               <a:t>Approach Justification</a:t>
             </a:r>
-            <a:endParaRPr lang="en-US" dirty="0" smtClean="0">
-              <a:solidFill>
-                <a:schemeClr val="tx1">
-                  <a:alpha val="31000"/>
-                </a:schemeClr>
-              </a:solidFill>
-            </a:endParaRPr>
           </a:p>
           <a:p>
             <a:pPr lvl="1"/>
@@ -18903,8 +18880,11 @@
                   </a:schemeClr>
                 </a:solidFill>
               </a:rPr>
-              <a:t>Sampling </a:t>
-            </a:r>
+              <a:t>Sampling in C-Space with collision-checking permits non-point robots</a:t>
+            </a:r>
+          </a:p>
+          <a:p>
+            <a:pPr lvl="1"/>
             <a:r>
               <a:rPr lang="en-US" dirty="0" smtClean="0">
                 <a:solidFill>
@@ -18913,30 +18893,7 @@
                   </a:schemeClr>
                 </a:solidFill>
               </a:rPr>
-              <a:t>in C-Space with collision-checking permits non-point robots</a:t>
-            </a:r>
-          </a:p>
-          <a:p>
-            <a:pPr lvl="1"/>
-            <a:r>
-              <a:rPr lang="en-US" dirty="0" smtClean="0">
-                <a:solidFill>
-                  <a:schemeClr val="tx1">
-                    <a:alpha val="31000"/>
-                  </a:schemeClr>
-                </a:solidFill>
-              </a:rPr>
-              <a:t>No requirement for already-known obstacle </a:t>
-            </a:r>
-            <a:r>
-              <a:rPr lang="en-US" dirty="0" smtClean="0">
-                <a:solidFill>
-                  <a:schemeClr val="tx1">
-                    <a:alpha val="31000"/>
-                  </a:schemeClr>
-                </a:solidFill>
-              </a:rPr>
-              <a:t>constraints</a:t>
+              <a:t>No requirement for already-known obstacle constraints</a:t>
             </a:r>
           </a:p>
         </p:txBody>
@@ -23333,15 +23290,7 @@
             </a:r>
             <a:r>
               <a:rPr lang="en-US" dirty="0" smtClean="0"/>
-              <a:t>, </a:t>
-            </a:r>
-            <a:r>
-              <a:rPr lang="en-US" dirty="0" smtClean="0"/>
-              <a:t>Chapters </a:t>
-            </a:r>
-            <a:r>
-              <a:rPr lang="en-US" dirty="0" smtClean="0"/>
-              <a:t>5,6</a:t>
+              <a:t>, Chapters 5,6</a:t>
             </a:r>
             <a:endParaRPr lang="en-US" dirty="0"/>
           </a:p>
@@ -24266,23 +24215,7 @@
           <a:p>
             <a:r>
               <a:rPr lang="en-US" dirty="0" smtClean="0"/>
-              <a:t>Monte </a:t>
-            </a:r>
-            <a:r>
-              <a:rPr lang="en-US" dirty="0" smtClean="0"/>
-              <a:t>Carlo </a:t>
-            </a:r>
-            <a:r>
-              <a:rPr lang="en-US" dirty="0" smtClean="0"/>
-              <a:t>Simulations of 10,000 </a:t>
-            </a:r>
-            <a:r>
-              <a:rPr lang="en-US" dirty="0" smtClean="0"/>
-              <a:t>particles </a:t>
-            </a:r>
-            <a:r>
-              <a:rPr lang="en-US" dirty="0" smtClean="0"/>
-              <a:t>to gauge ground truth probability of collision</a:t>
+              <a:t>Monte Carlo Simulations of 10,000 particles to gauge ground truth probability of collision</a:t>
             </a:r>
           </a:p>
           <a:p>
@@ -24318,11 +24251,7 @@
             <a:pPr lvl="1"/>
             <a:r>
               <a:rPr lang="en-US" dirty="0" smtClean="0"/>
-              <a:t>Mean</a:t>
-            </a:r>
-            <a:r>
-              <a:rPr lang="en-US" dirty="0" smtClean="0"/>
-              <a:t>: </a:t>
+              <a:t>Mean: </a:t>
             </a:r>
             <a:r>
               <a:rPr lang="en-US" b="1" dirty="0" smtClean="0"/>
@@ -24333,8 +24262,19 @@
             <a:pPr lvl="1"/>
             <a:r>
               <a:rPr lang="en-US" dirty="0" smtClean="0"/>
-              <a:t>Std. Dev: 0.0416</a:t>
-            </a:r>
+              <a:t>Std. Dev: </a:t>
+            </a:r>
+            <a:r>
+              <a:rPr lang="en-US" dirty="0" smtClean="0"/>
+              <a:t>0.0416</a:t>
+            </a:r>
+          </a:p>
+          <a:p>
+            <a:r>
+              <a:rPr lang="en-US" dirty="0" smtClean="0"/>
+              <a:t>~112 sec per simulation</a:t>
+            </a:r>
+            <a:endParaRPr lang="en-US" dirty="0" smtClean="0"/>
           </a:p>
           <a:p>
             <a:endParaRPr lang="en-US" dirty="0" smtClean="0"/>
@@ -24392,7 +24332,7 @@
 </file>
 
 <file path=ppt/slides/slide27.xml><?xml version="1.0" encoding="utf-8"?>
-<p:sld xmlns:a="http://schemas.openxmlformats.org/drawingml/2006/main" xmlns:r="http://schemas.openxmlformats.org/officeDocument/2006/relationships" xmlns:p="http://schemas.openxmlformats.org/presentationml/2006/main">
+<p:sld xmlns:a="http://schemas.openxmlformats.org/drawingml/2006/main" xmlns:r="http://schemas.openxmlformats.org/officeDocument/2006/relationships" xmlns:p="http://schemas.openxmlformats.org/presentationml/2006/main" show="0">
   <p:cSld>
     <p:spTree>
       <p:nvGrpSpPr>
@@ -24578,6 +24518,14 @@
   <p:clrMapOvr>
     <a:masterClrMapping/>
   </p:clrMapOvr>
+  <mc:AlternateContent xmlns:mc="http://schemas.openxmlformats.org/markup-compatibility/2006">
+    <mc:Choice xmlns:p14="http://schemas.microsoft.com/office/powerpoint/2010/main" Requires="p14">
+      <p:transition spd="slow" p14:dur="2000"/>
+    </mc:Choice>
+    <mc:Fallback>
+      <p:transition spd="slow"/>
+    </mc:Fallback>
+  </mc:AlternateContent>
   <p:timing>
     <p:tnLst>
       <p:par>
@@ -24772,13 +24720,6 @@
               </a:rPr>
               <a:t>Implement method and compare to Monte Carlo Simulation ground truth</a:t>
             </a:r>
-            <a:endParaRPr lang="en-US" dirty="0" smtClean="0">
-              <a:solidFill>
-                <a:schemeClr val="tx1">
-                  <a:alpha val="31000"/>
-                </a:schemeClr>
-              </a:solidFill>
-            </a:endParaRPr>
           </a:p>
           <a:p>
             <a:pPr lvl="1"/>
@@ -24790,8 +24731,11 @@
                   </a:schemeClr>
                 </a:solidFill>
               </a:rPr>
-              <a:t>Test </a:t>
-            </a:r>
+              <a:t>Test other environments</a:t>
+            </a:r>
+          </a:p>
+          <a:p>
+            <a:pPr lvl="1"/>
             <a:r>
               <a:rPr lang="en-US" dirty="0" smtClean="0">
                 <a:solidFill>
@@ -24800,68 +24744,8 @@
                   </a:schemeClr>
                 </a:solidFill>
               </a:rPr>
-              <a:t>other </a:t>
-            </a:r>
-            <a:r>
-              <a:rPr lang="en-US" dirty="0" smtClean="0">
-                <a:solidFill>
-                  <a:schemeClr val="tx1">
-                    <a:alpha val="31000"/>
-                  </a:schemeClr>
-                </a:solidFill>
-              </a:rPr>
-              <a:t>environments</a:t>
-            </a:r>
-          </a:p>
-          <a:p>
-            <a:pPr lvl="1"/>
-            <a:r>
-              <a:rPr lang="en-US" dirty="0" smtClean="0">
-                <a:solidFill>
-                  <a:schemeClr val="tx1">
-                    <a:alpha val="31000"/>
-                  </a:schemeClr>
-                </a:solidFill>
-              </a:rPr>
-              <a:t>Test </a:t>
-            </a:r>
-            <a:r>
-              <a:rPr lang="en-US" dirty="0" smtClean="0">
-                <a:solidFill>
-                  <a:schemeClr val="tx1">
-                    <a:alpha val="31000"/>
-                  </a:schemeClr>
-                </a:solidFill>
-              </a:rPr>
-              <a:t>accuracy among different </a:t>
-            </a:r>
-            <a:r>
-              <a:rPr lang="en-US" dirty="0" smtClean="0">
-                <a:solidFill>
-                  <a:schemeClr val="tx1">
-                    <a:alpha val="31000"/>
-                  </a:schemeClr>
-                </a:solidFill>
-              </a:rPr>
-              <a:t>motion </a:t>
-            </a:r>
-            <a:r>
-              <a:rPr lang="en-US" dirty="0" smtClean="0">
-                <a:solidFill>
-                  <a:schemeClr val="tx1">
-                    <a:alpha val="31000"/>
-                  </a:schemeClr>
-                </a:solidFill>
-              </a:rPr>
-              <a:t>plans</a:t>
-            </a:r>
-            <a:endParaRPr lang="en-US" dirty="0" smtClean="0">
-              <a:solidFill>
-                <a:schemeClr val="tx1">
-                  <a:alpha val="31000"/>
-                </a:schemeClr>
-              </a:solidFill>
-            </a:endParaRPr>
+              <a:t>Test accuracy among different motion plans</a:t>
+            </a:r>
           </a:p>
         </p:txBody>
       </p:sp>
@@ -25303,7 +25187,7 @@
                                         <p:tgtEl>
                                           <p:spTgt spid="3">
                                             <p:txEl>
-                                              <p:pRg st="5" end="5"/>
+                                              <p:pRg st="4" end="4"/>
                                             </p:txEl>
                                           </p:spTgt>
                                         </p:tgtEl>
@@ -25321,7 +25205,7 @@
                                         <p:tgtEl>
                                           <p:spTgt spid="3">
                                             <p:txEl>
-                                              <p:pRg st="5" end="5"/>
+                                              <p:pRg st="4" end="4"/>
                                             </p:txEl>
                                           </p:spTgt>
                                         </p:tgtEl>
@@ -25339,6 +25223,87 @@
                                         <p:tgtEl>
                                           <p:spTgt spid="3">
                                             <p:txEl>
+                                              <p:pRg st="4" end="4"/>
+                                            </p:txEl>
+                                          </p:spTgt>
+                                        </p:tgtEl>
+                                        <p:attrNameLst>
+                                          <p:attrName>stroke.color</p:attrName>
+                                        </p:attrNameLst>
+                                      </p:cBhvr>
+                                      <p:by>
+                                        <p:hsl h="0" s="-12549" l="-25098"/>
+                                      </p:by>
+                                    </p:animClr>
+                                    <p:set>
+                                      <p:cBhvr>
+                                        <p:cTn id="37" dur="500" fill="hold"/>
+                                        <p:tgtEl>
+                                          <p:spTgt spid="3">
+                                            <p:txEl>
+                                              <p:pRg st="4" end="4"/>
+                                            </p:txEl>
+                                          </p:spTgt>
+                                        </p:tgtEl>
+                                        <p:attrNameLst>
+                                          <p:attrName>fill.type</p:attrName>
+                                        </p:attrNameLst>
+                                      </p:cBhvr>
+                                      <p:to>
+                                        <p:strVal val="solid"/>
+                                      </p:to>
+                                    </p:set>
+                                  </p:childTnLst>
+                                </p:cTn>
+                              </p:par>
+                              <p:par>
+                                <p:cTn id="38" presetID="24" presetClass="emph" presetSubtype="0" fill="hold" nodeType="withEffect">
+                                  <p:stCondLst>
+                                    <p:cond delay="0"/>
+                                  </p:stCondLst>
+                                  <p:childTnLst>
+                                    <p:animClr clrSpc="hsl" dir="cw">
+                                      <p:cBhvr override="childStyle">
+                                        <p:cTn id="39" dur="500" fill="hold"/>
+                                        <p:tgtEl>
+                                          <p:spTgt spid="3">
+                                            <p:txEl>
+                                              <p:pRg st="5" end="5"/>
+                                            </p:txEl>
+                                          </p:spTgt>
+                                        </p:tgtEl>
+                                        <p:attrNameLst>
+                                          <p:attrName>style.color</p:attrName>
+                                        </p:attrNameLst>
+                                      </p:cBhvr>
+                                      <p:by>
+                                        <p:hsl h="0" s="-12549" l="-25098"/>
+                                      </p:by>
+                                    </p:animClr>
+                                    <p:animClr clrSpc="hsl" dir="cw">
+                                      <p:cBhvr>
+                                        <p:cTn id="40" dur="500" fill="hold"/>
+                                        <p:tgtEl>
+                                          <p:spTgt spid="3">
+                                            <p:txEl>
+                                              <p:pRg st="5" end="5"/>
+                                            </p:txEl>
+                                          </p:spTgt>
+                                        </p:tgtEl>
+                                        <p:attrNameLst>
+                                          <p:attrName>fillcolor</p:attrName>
+                                        </p:attrNameLst>
+                                      </p:cBhvr>
+                                      <p:by>
+                                        <p:hsl h="0" s="-12549" l="-25098"/>
+                                      </p:by>
+                                    </p:animClr>
+                                    <p:animClr clrSpc="hsl" dir="cw">
+                                      <p:cBhvr>
+                                        <p:cTn id="41" dur="500" fill="hold"/>
+                                        <p:tgtEl>
+                                          <p:spTgt spid="3">
+                                            <p:txEl>
                                               <p:pRg st="5" end="5"/>
                                             </p:txEl>
                                           </p:spTgt>
@@ -25353,7 +25318,7 @@
                                     </p:animClr>
                                     <p:set>
                                       <p:cBhvr>
-                                        <p:cTn id="37" dur="500" fill="hold"/>
+                                        <p:cTn id="42" dur="500" fill="hold"/>
                                         <p:tgtEl>
                                           <p:spTgt spid="3">
                                             <p:txEl>
@@ -25379,26 +25344,26 @@
                     </p:cTn>
                   </p:par>
                   <p:par>
-                    <p:cTn id="38" fill="hold">
+                    <p:cTn id="43" fill="hold">
                       <p:stCondLst>
                         <p:cond delay="indefinite"/>
                       </p:stCondLst>
                       <p:childTnLst>
                         <p:par>
-                          <p:cTn id="39" fill="hold">
+                          <p:cTn id="44" fill="hold">
                             <p:stCondLst>
                               <p:cond delay="0"/>
                             </p:stCondLst>
                             <p:childTnLst>
                               <p:par>
-                                <p:cTn id="40" presetID="24" presetClass="emph" presetSubtype="0" fill="hold" nodeType="clickEffect">
+                                <p:cTn id="45" presetID="24" presetClass="emph" presetSubtype="0" fill="hold" nodeType="clickEffect">
                                   <p:stCondLst>
                                     <p:cond delay="0"/>
                                   </p:stCondLst>
                                   <p:childTnLst>
                                     <p:animClr clrSpc="hsl" dir="cw">
                                       <p:cBhvr override="childStyle">
-                                        <p:cTn id="41" dur="500" fill="hold"/>
+                                        <p:cTn id="46" dur="500" fill="hold"/>
                                         <p:tgtEl>
                                           <p:spTgt spid="3">
                                             <p:txEl>
@@ -25416,7 +25381,7 @@
                                     </p:animClr>
                                     <p:animClr clrSpc="hsl" dir="cw">
                                       <p:cBhvr>
-                                        <p:cTn id="42" dur="500" fill="hold"/>
+                                        <p:cTn id="47" dur="500" fill="hold"/>
                                         <p:tgtEl>
                                           <p:spTgt spid="3">
                                             <p:txEl>
@@ -25434,7 +25399,7 @@
                                     </p:animClr>
                                     <p:animClr clrSpc="hsl" dir="cw">
                                       <p:cBhvr>
-                                        <p:cTn id="43" dur="500" fill="hold"/>
+                                        <p:cTn id="48" dur="500" fill="hold"/>
                                         <p:tgtEl>
                                           <p:spTgt spid="3">
                                             <p:txEl>
@@ -25452,7 +25417,7 @@
                                     </p:animClr>
                                     <p:set>
                                       <p:cBhvr>
-                                        <p:cTn id="44" dur="500" fill="hold"/>
+                                        <p:cTn id="49" dur="500" fill="hold"/>
                                         <p:tgtEl>
                                           <p:spTgt spid="3">
                                             <p:txEl>
@@ -25478,26 +25443,26 @@
                     </p:cTn>
                   </p:par>
                   <p:par>
-                    <p:cTn id="45" fill="hold">
+                    <p:cTn id="50" fill="hold">
                       <p:stCondLst>
                         <p:cond delay="indefinite"/>
                       </p:stCondLst>
                       <p:childTnLst>
                         <p:par>
-                          <p:cTn id="46" fill="hold">
+                          <p:cTn id="51" fill="hold">
                             <p:stCondLst>
                               <p:cond delay="0"/>
                             </p:stCondLst>
                             <p:childTnLst>
                               <p:par>
-                                <p:cTn id="47" presetID="24" presetClass="emph" presetSubtype="0" fill="hold" nodeType="clickEffect">
+                                <p:cTn id="52" presetID="24" presetClass="emph" presetSubtype="0" fill="hold" nodeType="clickEffect">
                                   <p:stCondLst>
                                     <p:cond delay="0"/>
                                   </p:stCondLst>
                                   <p:childTnLst>
                                     <p:animClr clrSpc="hsl" dir="cw">
                                       <p:cBhvr override="childStyle">
-                                        <p:cTn id="48" dur="500" fill="hold"/>
+                                        <p:cTn id="53" dur="500" fill="hold"/>
                                         <p:tgtEl>
                                           <p:spTgt spid="3">
                                             <p:txEl>
@@ -25515,7 +25480,7 @@
                                     </p:animClr>
                                     <p:animClr clrSpc="hsl" dir="cw">
                                       <p:cBhvr>
-                                        <p:cTn id="49" dur="500" fill="hold"/>
+                                        <p:cTn id="54" dur="500" fill="hold"/>
                                         <p:tgtEl>
                                           <p:spTgt spid="3">
                                             <p:txEl>
@@ -25533,7 +25498,7 @@
                                     </p:animClr>
                                     <p:animClr clrSpc="hsl" dir="cw">
                                       <p:cBhvr>
-                                        <p:cTn id="50" dur="500" fill="hold"/>
+                                        <p:cTn id="55" dur="500" fill="hold"/>
                                         <p:tgtEl>
                                           <p:spTgt spid="3">
                                             <p:txEl>
@@ -25551,7 +25516,7 @@
                                     </p:animClr>
                                     <p:set>
                                       <p:cBhvr>
-                                        <p:cTn id="51" dur="500" fill="hold"/>
+                                        <p:cTn id="56" dur="500" fill="hold"/>
                                         <p:tgtEl>
                                           <p:spTgt spid="3">
                                             <p:txEl>
@@ -25909,15 +25874,37 @@
           </a:p>
         </p:txBody>
       </p:sp>
-      <p:pic>
-        <p:nvPicPr>
-          <p:cNvPr id="5" name="Picture 4">
+      <p:sp>
+        <p:nvSpPr>
+          <p:cNvPr id="2" name="Title 1">
             <a:extLst>
               <a:ext uri="{FF2B5EF4-FFF2-40B4-BE49-F238E27FC236}">
-                <a16:creationId xmlns:a16="http://schemas.microsoft.com/office/drawing/2014/main" id="{CFD3078A-D520-46B3-9CE8-BE7D0EE3876D}"/>
+                <a16:creationId xmlns:a16="http://schemas.microsoft.com/office/drawing/2014/main" id="{E6C6C7B7-1145-4ADC-821C-3AB0E0C51908}"/>
               </a:ext>
             </a:extLst>
           </p:cNvPr>
+          <p:cNvSpPr>
+            <a:spLocks noGrp="1"/>
+          </p:cNvSpPr>
+          <p:nvPr>
+            <p:ph type="title"/>
+          </p:nvPr>
+        </p:nvSpPr>
+        <p:spPr/>
+        <p:txBody>
+          <a:bodyPr/>
+          <a:lstStyle/>
+          <a:p>
+            <a:r>
+              <a:rPr lang="en-US" dirty="0"/>
+              <a:t>Problems</a:t>
+            </a:r>
+          </a:p>
+        </p:txBody>
+      </p:sp>
+      <p:pic>
+        <p:nvPicPr>
+          <p:cNvPr id="4" name="Picture 3"/>
           <p:cNvPicPr>
             <a:picLocks noChangeAspect="1"/>
           </p:cNvPicPr>
@@ -25937,8 +25924,8 @@
         </p:blipFill>
         <p:spPr>
           <a:xfrm>
-            <a:off x="7172326" y="3663202"/>
-            <a:ext cx="4383566" cy="2463028"/>
+            <a:off x="8240948" y="2249909"/>
+            <a:ext cx="2892674" cy="2236029"/>
           </a:xfrm>
           <a:prstGeom prst="rect">
             <a:avLst/>
@@ -25947,72 +25934,14 @@
       </p:pic>
       <p:sp>
         <p:nvSpPr>
-          <p:cNvPr id="2" name="Title 1">
-            <a:extLst>
-              <a:ext uri="{FF2B5EF4-FFF2-40B4-BE49-F238E27FC236}">
-                <a16:creationId xmlns:a16="http://schemas.microsoft.com/office/drawing/2014/main" id="{E6C6C7B7-1145-4ADC-821C-3AB0E0C51908}"/>
-              </a:ext>
-            </a:extLst>
-          </p:cNvPr>
-          <p:cNvSpPr>
-            <a:spLocks noGrp="1"/>
-          </p:cNvSpPr>
-          <p:nvPr>
-            <p:ph type="title"/>
-          </p:nvPr>
-        </p:nvSpPr>
-        <p:spPr/>
-        <p:txBody>
-          <a:bodyPr/>
-          <a:lstStyle/>
-          <a:p>
-            <a:r>
-              <a:rPr lang="en-US" dirty="0"/>
-              <a:t>Problems</a:t>
-            </a:r>
-          </a:p>
-        </p:txBody>
-      </p:sp>
-      <p:pic>
-        <p:nvPicPr>
-          <p:cNvPr id="4" name="Picture 3"/>
-          <p:cNvPicPr>
-            <a:picLocks noChangeAspect="1"/>
-          </p:cNvPicPr>
-          <p:nvPr/>
-        </p:nvPicPr>
-        <p:blipFill>
-          <a:blip r:embed="rId5">
-            <a:extLst>
-              <a:ext uri="{28A0092B-C50C-407E-A947-70E740481C1C}">
-                <a14:useLocalDpi xmlns:a14="http://schemas.microsoft.com/office/drawing/2010/main" val="0"/>
-              </a:ext>
-            </a:extLst>
-          </a:blip>
-          <a:stretch>
-            <a:fillRect/>
-          </a:stretch>
-        </p:blipFill>
-        <p:spPr>
-          <a:xfrm>
-            <a:off x="8090340" y="1227934"/>
-            <a:ext cx="2647549" cy="2046548"/>
-          </a:xfrm>
-          <a:prstGeom prst="rect">
-            <a:avLst/>
-          </a:prstGeom>
-        </p:spPr>
-      </p:pic>
-      <p:sp>
-        <p:nvSpPr>
           <p:cNvPr id="6" name="TextBox 5"/>
           <p:cNvSpPr txBox="1"/>
           <p:nvPr/>
         </p:nvSpPr>
         <p:spPr>
           <a:xfrm>
-            <a:off x="8684588" y="3089816"/>
-            <a:ext cx="1459054" cy="369332"/>
+            <a:off x="8890214" y="4301272"/>
+            <a:ext cx="1594142" cy="369332"/>
           </a:xfrm>
           <a:prstGeom prst="rect">
             <a:avLst/>
@@ -26020,7 +25949,7 @@
           <a:noFill/>
         </p:spPr>
         <p:txBody>
-          <a:bodyPr wrap="none" rtlCol="0">
+          <a:bodyPr wrap="square" rtlCol="0">
             <a:spAutoFit/>
           </a:bodyPr>
           <a:lstStyle/>
@@ -26028,36 +25957,6 @@
             <a:r>
               <a:rPr lang="en-US" dirty="0" smtClean="0"/>
               <a:t>Motion Noise</a:t>
-            </a:r>
-            <a:endParaRPr lang="en-US" dirty="0"/>
-          </a:p>
-        </p:txBody>
-      </p:sp>
-      <p:sp>
-        <p:nvSpPr>
-          <p:cNvPr id="7" name="TextBox 6"/>
-          <p:cNvSpPr txBox="1"/>
-          <p:nvPr/>
-        </p:nvSpPr>
-        <p:spPr>
-          <a:xfrm>
-            <a:off x="8772694" y="6062665"/>
-            <a:ext cx="1557927" cy="369332"/>
-          </a:xfrm>
-          <a:prstGeom prst="rect">
-            <a:avLst/>
-          </a:prstGeom>
-          <a:noFill/>
-        </p:spPr>
-        <p:txBody>
-          <a:bodyPr wrap="none" rtlCol="0">
-            <a:spAutoFit/>
-          </a:bodyPr>
-          <a:lstStyle/>
-          <a:p>
-            <a:r>
-              <a:rPr lang="en-US" dirty="0" smtClean="0"/>
-              <a:t>MC Simulation</a:t>
             </a:r>
             <a:endParaRPr lang="en-US" dirty="0"/>
           </a:p>
@@ -26766,8 +26665,8 @@
           </a:p>
         </p:txBody>
       </p:sp>
-      <mc:AlternateContent xmlns:mc="http://schemas.openxmlformats.org/markup-compatibility/2006">
-        <mc:Choice xmlns:a14="http://schemas.microsoft.com/office/drawing/2010/main" Requires="a14">
+      <mc:AlternateContent xmlns:mc="http://schemas.openxmlformats.org/markup-compatibility/2006" xmlns:a14="http://schemas.microsoft.com/office/drawing/2010/main">
+        <mc:Choice Requires="a14">
           <p:sp>
             <p:nvSpPr>
               <p:cNvPr id="4" name="TextBox 3">
@@ -26998,7 +26897,7 @@
             </p:txBody>
           </p:sp>
         </mc:Choice>
-        <mc:Fallback>
+        <mc:Fallback xmlns="">
           <p:sp>
             <p:nvSpPr>
               <p:cNvPr id="4" name="TextBox 3">
